--- a/PICTURE/web.pptx
+++ b/PICTURE/web.pptx
@@ -106,6 +106,11 @@
       </a:defRPr>
     </a:lvl9pPr>
   </p:defaultTextStyle>
+  <p:extLst>
+    <p:ext uri="{EFAFB233-063F-42B5-8137-9DF3F51BA10A}">
+      <p15:sldGuideLst xmlns:p15="http://schemas.microsoft.com/office/powerpoint/2012/main"/>
+    </p:ext>
+  </p:extLst>
 </p:presentation>
 </file>
 
@@ -258,7 +263,7 @@
           <a:p>
             <a:fld id="{11526326-9342-4D25-A58F-CCC05363D195}" type="datetimeFigureOut">
               <a:rPr lang="vi-VN" smtClean="0"/>
-              <a:t>10/12/2023</a:t>
+              <a:t>16/12/2023</a:t>
             </a:fld>
             <a:endParaRPr lang="vi-VN"/>
           </a:p>
@@ -458,7 +463,7 @@
           <a:p>
             <a:fld id="{11526326-9342-4D25-A58F-CCC05363D195}" type="datetimeFigureOut">
               <a:rPr lang="vi-VN" smtClean="0"/>
-              <a:t>10/12/2023</a:t>
+              <a:t>16/12/2023</a:t>
             </a:fld>
             <a:endParaRPr lang="vi-VN"/>
           </a:p>
@@ -668,7 +673,7 @@
           <a:p>
             <a:fld id="{11526326-9342-4D25-A58F-CCC05363D195}" type="datetimeFigureOut">
               <a:rPr lang="vi-VN" smtClean="0"/>
-              <a:t>10/12/2023</a:t>
+              <a:t>16/12/2023</a:t>
             </a:fld>
             <a:endParaRPr lang="vi-VN"/>
           </a:p>
@@ -868,7 +873,7 @@
           <a:p>
             <a:fld id="{11526326-9342-4D25-A58F-CCC05363D195}" type="datetimeFigureOut">
               <a:rPr lang="vi-VN" smtClean="0"/>
-              <a:t>10/12/2023</a:t>
+              <a:t>16/12/2023</a:t>
             </a:fld>
             <a:endParaRPr lang="vi-VN"/>
           </a:p>
@@ -1144,7 +1149,7 @@
           <a:p>
             <a:fld id="{11526326-9342-4D25-A58F-CCC05363D195}" type="datetimeFigureOut">
               <a:rPr lang="vi-VN" smtClean="0"/>
-              <a:t>10/12/2023</a:t>
+              <a:t>16/12/2023</a:t>
             </a:fld>
             <a:endParaRPr lang="vi-VN"/>
           </a:p>
@@ -1412,7 +1417,7 @@
           <a:p>
             <a:fld id="{11526326-9342-4D25-A58F-CCC05363D195}" type="datetimeFigureOut">
               <a:rPr lang="vi-VN" smtClean="0"/>
-              <a:t>10/12/2023</a:t>
+              <a:t>16/12/2023</a:t>
             </a:fld>
             <a:endParaRPr lang="vi-VN"/>
           </a:p>
@@ -1827,7 +1832,7 @@
           <a:p>
             <a:fld id="{11526326-9342-4D25-A58F-CCC05363D195}" type="datetimeFigureOut">
               <a:rPr lang="vi-VN" smtClean="0"/>
-              <a:t>10/12/2023</a:t>
+              <a:t>16/12/2023</a:t>
             </a:fld>
             <a:endParaRPr lang="vi-VN"/>
           </a:p>
@@ -1969,7 +1974,7 @@
           <a:p>
             <a:fld id="{11526326-9342-4D25-A58F-CCC05363D195}" type="datetimeFigureOut">
               <a:rPr lang="vi-VN" smtClean="0"/>
-              <a:t>10/12/2023</a:t>
+              <a:t>16/12/2023</a:t>
             </a:fld>
             <a:endParaRPr lang="vi-VN"/>
           </a:p>
@@ -2082,7 +2087,7 @@
           <a:p>
             <a:fld id="{11526326-9342-4D25-A58F-CCC05363D195}" type="datetimeFigureOut">
               <a:rPr lang="vi-VN" smtClean="0"/>
-              <a:t>10/12/2023</a:t>
+              <a:t>16/12/2023</a:t>
             </a:fld>
             <a:endParaRPr lang="vi-VN"/>
           </a:p>
@@ -2395,7 +2400,7 @@
           <a:p>
             <a:fld id="{11526326-9342-4D25-A58F-CCC05363D195}" type="datetimeFigureOut">
               <a:rPr lang="vi-VN" smtClean="0"/>
-              <a:t>10/12/2023</a:t>
+              <a:t>16/12/2023</a:t>
             </a:fld>
             <a:endParaRPr lang="vi-VN"/>
           </a:p>
@@ -2684,7 +2689,7 @@
           <a:p>
             <a:fld id="{11526326-9342-4D25-A58F-CCC05363D195}" type="datetimeFigureOut">
               <a:rPr lang="vi-VN" smtClean="0"/>
-              <a:t>10/12/2023</a:t>
+              <a:t>16/12/2023</a:t>
             </a:fld>
             <a:endParaRPr lang="vi-VN"/>
           </a:p>
@@ -2927,7 +2932,7 @@
           <a:p>
             <a:fld id="{11526326-9342-4D25-A58F-CCC05363D195}" type="datetimeFigureOut">
               <a:rPr lang="vi-VN" smtClean="0"/>
-              <a:t>10/12/2023</a:t>
+              <a:t>16/12/2023</a:t>
             </a:fld>
             <a:endParaRPr lang="vi-VN"/>
           </a:p>
@@ -3851,6 +3856,522 @@
           <a:chExt cx="0" cy="0"/>
         </a:xfrm>
       </p:grpSpPr>
+      <p:pic>
+        <p:nvPicPr>
+          <p:cNvPr id="3" name="Picture 2" descr="A screenshot of a computer&#10;&#10;Description automatically generated">
+            <a:extLst>
+              <a:ext uri="{FF2B5EF4-FFF2-40B4-BE49-F238E27FC236}">
+                <a16:creationId xmlns:a16="http://schemas.microsoft.com/office/drawing/2014/main" id="{0808F40F-C1C0-E72D-30DD-10D5CF7EAA6B}"/>
+              </a:ext>
+            </a:extLst>
+          </p:cNvPr>
+          <p:cNvPicPr>
+            <a:picLocks noChangeAspect="1"/>
+          </p:cNvPicPr>
+          <p:nvPr/>
+        </p:nvPicPr>
+        <p:blipFill>
+          <a:blip r:embed="rId2">
+            <a:extLst>
+              <a:ext uri="{28A0092B-C50C-407E-A947-70E740481C1C}">
+                <a14:useLocalDpi xmlns:a14="http://schemas.microsoft.com/office/drawing/2010/main" val="0"/>
+              </a:ext>
+            </a:extLst>
+          </a:blip>
+          <a:stretch>
+            <a:fillRect/>
+          </a:stretch>
+        </p:blipFill>
+        <p:spPr>
+          <a:xfrm>
+            <a:off x="993775" y="0"/>
+            <a:ext cx="10204450" cy="6858000"/>
+          </a:xfrm>
+          <a:prstGeom prst="rect">
+            <a:avLst/>
+          </a:prstGeom>
+        </p:spPr>
+      </p:pic>
+      <p:sp>
+        <p:nvSpPr>
+          <p:cNvPr id="4" name="Rectangle 3">
+            <a:extLst>
+              <a:ext uri="{FF2B5EF4-FFF2-40B4-BE49-F238E27FC236}">
+                <a16:creationId xmlns:a16="http://schemas.microsoft.com/office/drawing/2014/main" id="{6B9781BC-5AC2-A125-ABCB-4BD9A6594912}"/>
+              </a:ext>
+            </a:extLst>
+          </p:cNvPr>
+          <p:cNvSpPr/>
+          <p:nvPr/>
+        </p:nvSpPr>
+        <p:spPr>
+          <a:xfrm>
+            <a:off x="1056443" y="994299"/>
+            <a:ext cx="7066625" cy="3675355"/>
+          </a:xfrm>
+          <a:prstGeom prst="rect">
+            <a:avLst/>
+          </a:prstGeom>
+          <a:noFill/>
+          <a:ln w="19050">
+            <a:solidFill>
+              <a:srgbClr val="FF0000"/>
+            </a:solidFill>
+          </a:ln>
+        </p:spPr>
+        <p:style>
+          <a:lnRef idx="2">
+            <a:schemeClr val="accent1">
+              <a:shade val="15000"/>
+            </a:schemeClr>
+          </a:lnRef>
+          <a:fillRef idx="1">
+            <a:schemeClr val="accent1"/>
+          </a:fillRef>
+          <a:effectRef idx="0">
+            <a:schemeClr val="accent1"/>
+          </a:effectRef>
+          <a:fontRef idx="minor">
+            <a:schemeClr val="lt1"/>
+          </a:fontRef>
+        </p:style>
+        <p:txBody>
+          <a:bodyPr rtlCol="0" anchor="ctr"/>
+          <a:lstStyle/>
+          <a:p>
+            <a:pPr algn="ctr"/>
+            <a:endParaRPr lang="vi-VN"/>
+          </a:p>
+        </p:txBody>
+      </p:sp>
+      <p:sp>
+        <p:nvSpPr>
+          <p:cNvPr id="5" name="TextBox 4">
+            <a:extLst>
+              <a:ext uri="{FF2B5EF4-FFF2-40B4-BE49-F238E27FC236}">
+                <a16:creationId xmlns:a16="http://schemas.microsoft.com/office/drawing/2014/main" id="{2AB65E13-1664-1CE4-30FD-339E05C0B24D}"/>
+              </a:ext>
+            </a:extLst>
+          </p:cNvPr>
+          <p:cNvSpPr txBox="1"/>
+          <p:nvPr/>
+        </p:nvSpPr>
+        <p:spPr>
+          <a:xfrm>
+            <a:off x="3281779" y="1072432"/>
+            <a:ext cx="2814221" cy="369332"/>
+          </a:xfrm>
+          <a:prstGeom prst="rect">
+            <a:avLst/>
+          </a:prstGeom>
+          <a:noFill/>
+        </p:spPr>
+        <p:txBody>
+          <a:bodyPr wrap="square" rtlCol="0">
+            <a:spAutoFit/>
+          </a:bodyPr>
+          <a:lstStyle/>
+          <a:p>
+            <a:r>
+              <a:rPr lang="en-US" b="1">
+                <a:solidFill>
+                  <a:srgbClr val="FF0000"/>
+                </a:solidFill>
+              </a:rPr>
+              <a:t>Khu vực hiện vị trí thiết bị</a:t>
+            </a:r>
+            <a:endParaRPr lang="vi-VN" b="1">
+              <a:solidFill>
+                <a:srgbClr val="FF0000"/>
+              </a:solidFill>
+            </a:endParaRPr>
+          </a:p>
+        </p:txBody>
+      </p:sp>
+      <p:sp>
+        <p:nvSpPr>
+          <p:cNvPr id="6" name="Rectangle 5">
+            <a:extLst>
+              <a:ext uri="{FF2B5EF4-FFF2-40B4-BE49-F238E27FC236}">
+                <a16:creationId xmlns:a16="http://schemas.microsoft.com/office/drawing/2014/main" id="{F455CD9C-A60F-13F9-C3AF-08763EF3276C}"/>
+              </a:ext>
+            </a:extLst>
+          </p:cNvPr>
+          <p:cNvSpPr/>
+          <p:nvPr/>
+        </p:nvSpPr>
+        <p:spPr>
+          <a:xfrm>
+            <a:off x="1056443" y="4811697"/>
+            <a:ext cx="7066625" cy="1793289"/>
+          </a:xfrm>
+          <a:prstGeom prst="rect">
+            <a:avLst/>
+          </a:prstGeom>
+          <a:noFill/>
+          <a:ln w="19050">
+            <a:solidFill>
+              <a:srgbClr val="FF0000"/>
+            </a:solidFill>
+          </a:ln>
+        </p:spPr>
+        <p:style>
+          <a:lnRef idx="2">
+            <a:schemeClr val="accent1">
+              <a:shade val="15000"/>
+            </a:schemeClr>
+          </a:lnRef>
+          <a:fillRef idx="1">
+            <a:schemeClr val="accent1"/>
+          </a:fillRef>
+          <a:effectRef idx="0">
+            <a:schemeClr val="accent1"/>
+          </a:effectRef>
+          <a:fontRef idx="minor">
+            <a:schemeClr val="lt1"/>
+          </a:fontRef>
+        </p:style>
+        <p:txBody>
+          <a:bodyPr rtlCol="0" anchor="ctr"/>
+          <a:lstStyle/>
+          <a:p>
+            <a:pPr algn="ctr"/>
+            <a:endParaRPr lang="vi-VN"/>
+          </a:p>
+        </p:txBody>
+      </p:sp>
+      <p:sp>
+        <p:nvSpPr>
+          <p:cNvPr id="7" name="TextBox 6">
+            <a:extLst>
+              <a:ext uri="{FF2B5EF4-FFF2-40B4-BE49-F238E27FC236}">
+                <a16:creationId xmlns:a16="http://schemas.microsoft.com/office/drawing/2014/main" id="{4001B556-3B17-62BA-1843-19041D100135}"/>
+              </a:ext>
+            </a:extLst>
+          </p:cNvPr>
+          <p:cNvSpPr txBox="1"/>
+          <p:nvPr/>
+        </p:nvSpPr>
+        <p:spPr>
+          <a:xfrm>
+            <a:off x="3182644" y="4811697"/>
+            <a:ext cx="3440098" cy="369332"/>
+          </a:xfrm>
+          <a:prstGeom prst="rect">
+            <a:avLst/>
+          </a:prstGeom>
+          <a:noFill/>
+        </p:spPr>
+        <p:txBody>
+          <a:bodyPr wrap="square" rtlCol="0">
+            <a:spAutoFit/>
+          </a:bodyPr>
+          <a:lstStyle/>
+          <a:p>
+            <a:r>
+              <a:rPr lang="en-US" b="1">
+                <a:solidFill>
+                  <a:srgbClr val="FF0000"/>
+                </a:solidFill>
+              </a:rPr>
+              <a:t>Khu vực hiện danh sách thiết bị</a:t>
+            </a:r>
+            <a:endParaRPr lang="vi-VN" b="1">
+              <a:solidFill>
+                <a:srgbClr val="FF0000"/>
+              </a:solidFill>
+            </a:endParaRPr>
+          </a:p>
+        </p:txBody>
+      </p:sp>
+      <p:sp>
+        <p:nvSpPr>
+          <p:cNvPr id="8" name="TextBox 7">
+            <a:extLst>
+              <a:ext uri="{FF2B5EF4-FFF2-40B4-BE49-F238E27FC236}">
+                <a16:creationId xmlns:a16="http://schemas.microsoft.com/office/drawing/2014/main" id="{DFEF1D2C-A949-C79E-210A-AB803D1DB433}"/>
+              </a:ext>
+            </a:extLst>
+          </p:cNvPr>
+          <p:cNvSpPr txBox="1"/>
+          <p:nvPr/>
+        </p:nvSpPr>
+        <p:spPr>
+          <a:xfrm>
+            <a:off x="8792115" y="1578361"/>
+            <a:ext cx="2171808" cy="646331"/>
+          </a:xfrm>
+          <a:prstGeom prst="rect">
+            <a:avLst/>
+          </a:prstGeom>
+          <a:noFill/>
+        </p:spPr>
+        <p:txBody>
+          <a:bodyPr wrap="square" rtlCol="0">
+            <a:spAutoFit/>
+          </a:bodyPr>
+          <a:lstStyle/>
+          <a:p>
+            <a:r>
+              <a:rPr lang="en-US" b="1">
+                <a:solidFill>
+                  <a:srgbClr val="FF0000"/>
+                </a:solidFill>
+              </a:rPr>
+              <a:t>Khu vực hiện trạng thái thiết bị</a:t>
+            </a:r>
+            <a:endParaRPr lang="vi-VN" b="1">
+              <a:solidFill>
+                <a:srgbClr val="FF0000"/>
+              </a:solidFill>
+            </a:endParaRPr>
+          </a:p>
+        </p:txBody>
+      </p:sp>
+      <p:sp>
+        <p:nvSpPr>
+          <p:cNvPr id="9" name="TextBox 8">
+            <a:extLst>
+              <a:ext uri="{FF2B5EF4-FFF2-40B4-BE49-F238E27FC236}">
+                <a16:creationId xmlns:a16="http://schemas.microsoft.com/office/drawing/2014/main" id="{34577084-0212-D86F-38EE-DB1E8FD88214}"/>
+              </a:ext>
+            </a:extLst>
+          </p:cNvPr>
+          <p:cNvSpPr txBox="1"/>
+          <p:nvPr/>
+        </p:nvSpPr>
+        <p:spPr>
+          <a:xfrm>
+            <a:off x="8792115" y="5160146"/>
+            <a:ext cx="1737063" cy="646331"/>
+          </a:xfrm>
+          <a:prstGeom prst="rect">
+            <a:avLst/>
+          </a:prstGeom>
+          <a:noFill/>
+        </p:spPr>
+        <p:txBody>
+          <a:bodyPr wrap="square" rtlCol="0">
+            <a:spAutoFit/>
+          </a:bodyPr>
+          <a:lstStyle/>
+          <a:p>
+            <a:r>
+              <a:rPr lang="en-US" b="1">
+                <a:solidFill>
+                  <a:srgbClr val="FF0000"/>
+                </a:solidFill>
+              </a:rPr>
+              <a:t>Khu vực hiện nhiệt độ thiết bị</a:t>
+            </a:r>
+            <a:endParaRPr lang="vi-VN" b="1">
+              <a:solidFill>
+                <a:srgbClr val="FF0000"/>
+              </a:solidFill>
+            </a:endParaRPr>
+          </a:p>
+        </p:txBody>
+      </p:sp>
+      <p:sp>
+        <p:nvSpPr>
+          <p:cNvPr id="10" name="TextBox 9">
+            <a:extLst>
+              <a:ext uri="{FF2B5EF4-FFF2-40B4-BE49-F238E27FC236}">
+                <a16:creationId xmlns:a16="http://schemas.microsoft.com/office/drawing/2014/main" id="{9472AD1C-1599-D748-8D19-2748C9A071AF}"/>
+              </a:ext>
+            </a:extLst>
+          </p:cNvPr>
+          <p:cNvSpPr txBox="1"/>
+          <p:nvPr/>
+        </p:nvSpPr>
+        <p:spPr>
+          <a:xfrm>
+            <a:off x="8614562" y="3281511"/>
+            <a:ext cx="2349361" cy="646331"/>
+          </a:xfrm>
+          <a:prstGeom prst="rect">
+            <a:avLst/>
+          </a:prstGeom>
+          <a:noFill/>
+        </p:spPr>
+        <p:txBody>
+          <a:bodyPr wrap="square" rtlCol="0">
+            <a:spAutoFit/>
+          </a:bodyPr>
+          <a:lstStyle/>
+          <a:p>
+            <a:r>
+              <a:rPr lang="en-US" b="1">
+                <a:solidFill>
+                  <a:srgbClr val="FF0000"/>
+                </a:solidFill>
+              </a:rPr>
+              <a:t>Khu vực hiện nhiệt độ, độ ẩm môi trường</a:t>
+            </a:r>
+            <a:endParaRPr lang="vi-VN" b="1">
+              <a:solidFill>
+                <a:srgbClr val="FF0000"/>
+              </a:solidFill>
+            </a:endParaRPr>
+          </a:p>
+        </p:txBody>
+      </p:sp>
+      <p:sp>
+        <p:nvSpPr>
+          <p:cNvPr id="11" name="Rectangle 10">
+            <a:extLst>
+              <a:ext uri="{FF2B5EF4-FFF2-40B4-BE49-F238E27FC236}">
+                <a16:creationId xmlns:a16="http://schemas.microsoft.com/office/drawing/2014/main" id="{1AB4232C-F851-F2E0-8C69-8787D15B7C9B}"/>
+              </a:ext>
+            </a:extLst>
+          </p:cNvPr>
+          <p:cNvSpPr/>
+          <p:nvPr/>
+        </p:nvSpPr>
+        <p:spPr>
+          <a:xfrm>
+            <a:off x="8247355" y="1019167"/>
+            <a:ext cx="2888202" cy="1210821"/>
+          </a:xfrm>
+          <a:prstGeom prst="rect">
+            <a:avLst/>
+          </a:prstGeom>
+          <a:noFill/>
+          <a:ln w="19050">
+            <a:solidFill>
+              <a:srgbClr val="FF0000"/>
+            </a:solidFill>
+          </a:ln>
+        </p:spPr>
+        <p:style>
+          <a:lnRef idx="2">
+            <a:schemeClr val="accent1">
+              <a:shade val="15000"/>
+            </a:schemeClr>
+          </a:lnRef>
+          <a:fillRef idx="1">
+            <a:schemeClr val="accent1"/>
+          </a:fillRef>
+          <a:effectRef idx="0">
+            <a:schemeClr val="accent1"/>
+          </a:effectRef>
+          <a:fontRef idx="minor">
+            <a:schemeClr val="lt1"/>
+          </a:fontRef>
+        </p:style>
+        <p:txBody>
+          <a:bodyPr rtlCol="0" anchor="ctr"/>
+          <a:lstStyle/>
+          <a:p>
+            <a:pPr algn="ctr"/>
+            <a:endParaRPr lang="vi-VN"/>
+          </a:p>
+        </p:txBody>
+      </p:sp>
+      <p:sp>
+        <p:nvSpPr>
+          <p:cNvPr id="12" name="Rectangle 11">
+            <a:extLst>
+              <a:ext uri="{FF2B5EF4-FFF2-40B4-BE49-F238E27FC236}">
+                <a16:creationId xmlns:a16="http://schemas.microsoft.com/office/drawing/2014/main" id="{BE8024A5-2AE7-C08C-3853-77EB032C5412}"/>
+              </a:ext>
+            </a:extLst>
+          </p:cNvPr>
+          <p:cNvSpPr/>
+          <p:nvPr/>
+        </p:nvSpPr>
+        <p:spPr>
+          <a:xfrm>
+            <a:off x="8247355" y="2393855"/>
+            <a:ext cx="2888202" cy="2234158"/>
+          </a:xfrm>
+          <a:prstGeom prst="rect">
+            <a:avLst/>
+          </a:prstGeom>
+          <a:noFill/>
+          <a:ln w="19050">
+            <a:solidFill>
+              <a:srgbClr val="FF0000"/>
+            </a:solidFill>
+          </a:ln>
+        </p:spPr>
+        <p:style>
+          <a:lnRef idx="2">
+            <a:schemeClr val="accent1">
+              <a:shade val="15000"/>
+            </a:schemeClr>
+          </a:lnRef>
+          <a:fillRef idx="1">
+            <a:schemeClr val="accent1"/>
+          </a:fillRef>
+          <a:effectRef idx="0">
+            <a:schemeClr val="accent1"/>
+          </a:effectRef>
+          <a:fontRef idx="minor">
+            <a:schemeClr val="lt1"/>
+          </a:fontRef>
+        </p:style>
+        <p:txBody>
+          <a:bodyPr rtlCol="0" anchor="ctr"/>
+          <a:lstStyle/>
+          <a:p>
+            <a:pPr algn="ctr"/>
+            <a:endParaRPr lang="vi-VN"/>
+          </a:p>
+        </p:txBody>
+      </p:sp>
+      <p:sp>
+        <p:nvSpPr>
+          <p:cNvPr id="13" name="Rectangle 12">
+            <a:extLst>
+              <a:ext uri="{FF2B5EF4-FFF2-40B4-BE49-F238E27FC236}">
+                <a16:creationId xmlns:a16="http://schemas.microsoft.com/office/drawing/2014/main" id="{11BD2EFC-022E-AB30-A9BC-D5B2A13C29E4}"/>
+              </a:ext>
+            </a:extLst>
+          </p:cNvPr>
+          <p:cNvSpPr/>
+          <p:nvPr/>
+        </p:nvSpPr>
+        <p:spPr>
+          <a:xfrm>
+            <a:off x="8263023" y="4811697"/>
+            <a:ext cx="2888202" cy="1793289"/>
+          </a:xfrm>
+          <a:prstGeom prst="rect">
+            <a:avLst/>
+          </a:prstGeom>
+          <a:noFill/>
+          <a:ln w="19050">
+            <a:solidFill>
+              <a:srgbClr val="FF0000"/>
+            </a:solidFill>
+          </a:ln>
+        </p:spPr>
+        <p:style>
+          <a:lnRef idx="2">
+            <a:schemeClr val="accent1">
+              <a:shade val="15000"/>
+            </a:schemeClr>
+          </a:lnRef>
+          <a:fillRef idx="1">
+            <a:schemeClr val="accent1"/>
+          </a:fillRef>
+          <a:effectRef idx="0">
+            <a:schemeClr val="accent1"/>
+          </a:effectRef>
+          <a:fontRef idx="minor">
+            <a:schemeClr val="lt1"/>
+          </a:fontRef>
+        </p:style>
+        <p:txBody>
+          <a:bodyPr rtlCol="0" anchor="ctr"/>
+          <a:lstStyle/>
+          <a:p>
+            <a:pPr algn="ctr"/>
+            <a:endParaRPr lang="vi-VN"/>
+          </a:p>
+        </p:txBody>
+      </p:sp>
     </p:spTree>
     <p:extLst>
       <p:ext uri="{BB962C8B-B14F-4D97-AF65-F5344CB8AC3E}">
